--- a/notes/tesorai_vaccine.pptx
+++ b/notes/tesorai_vaccine.pptx
@@ -6,6 +6,7 @@
   </p:sldMasterIdLst>
   <p:sldIdLst>
     <p:sldId id="256" r:id="rId2"/>
+    <p:sldId id="257" r:id="rId3"/>
   </p:sldIdLst>
   <p:sldSz cx="12192000" cy="6858000"/>
   <p:notesSz cx="6858000" cy="9144000"/>
@@ -3523,7 +3524,111 @@
           <a:lstStyle/>
           <a:p>
             <a:pPr algn="ctr"/>
-            <a:endParaRPr lang="en-US"/>
+            <a:endParaRPr lang="en-US" dirty="0"/>
+          </a:p>
+        </p:txBody>
+      </p:sp>
+      <p:sp>
+        <p:nvSpPr>
+          <p:cNvPr id="15" name="Rectangle 14">
+            <a:extLst>
+              <a:ext uri="{FF2B5EF4-FFF2-40B4-BE49-F238E27FC236}">
+                <a16:creationId xmlns:a16="http://schemas.microsoft.com/office/drawing/2014/main" id="{1E818175-13AB-F467-8A67-A2DAF0F3C512}"/>
+              </a:ext>
+            </a:extLst>
+          </p:cNvPr>
+          <p:cNvSpPr/>
+          <p:nvPr/>
+        </p:nvSpPr>
+        <p:spPr>
+          <a:xfrm>
+            <a:off x="10275545" y="1398410"/>
+            <a:ext cx="1659467" cy="407812"/>
+          </a:xfrm>
+          <a:prstGeom prst="rect">
+            <a:avLst/>
+          </a:prstGeom>
+          <a:noFill/>
+          <a:ln>
+            <a:solidFill>
+              <a:srgbClr val="FF0000"/>
+            </a:solidFill>
+          </a:ln>
+        </p:spPr>
+        <p:style>
+          <a:lnRef idx="2">
+            <a:schemeClr val="accent1">
+              <a:shade val="15000"/>
+            </a:schemeClr>
+          </a:lnRef>
+          <a:fillRef idx="1">
+            <a:schemeClr val="accent1"/>
+          </a:fillRef>
+          <a:effectRef idx="0">
+            <a:schemeClr val="accent1"/>
+          </a:effectRef>
+          <a:fontRef idx="minor">
+            <a:schemeClr val="lt1"/>
+          </a:fontRef>
+        </p:style>
+        <p:txBody>
+          <a:bodyPr rtlCol="0" anchor="ctr"/>
+          <a:lstStyle/>
+          <a:p>
+            <a:pPr algn="ctr"/>
+            <a:endParaRPr lang="en-US" dirty="0"/>
+          </a:p>
+        </p:txBody>
+      </p:sp>
+      <p:sp>
+        <p:nvSpPr>
+          <p:cNvPr id="16" name="Rectangle 15">
+            <a:extLst>
+              <a:ext uri="{FF2B5EF4-FFF2-40B4-BE49-F238E27FC236}">
+                <a16:creationId xmlns:a16="http://schemas.microsoft.com/office/drawing/2014/main" id="{9652B85E-F0A9-391B-3764-F08354015D9E}"/>
+              </a:ext>
+            </a:extLst>
+          </p:cNvPr>
+          <p:cNvSpPr/>
+          <p:nvPr/>
+        </p:nvSpPr>
+        <p:spPr>
+          <a:xfrm>
+            <a:off x="8823263" y="2716221"/>
+            <a:ext cx="1659467" cy="407812"/>
+          </a:xfrm>
+          <a:prstGeom prst="rect">
+            <a:avLst/>
+          </a:prstGeom>
+          <a:noFill/>
+          <a:ln>
+            <a:solidFill>
+              <a:srgbClr val="FF0000"/>
+            </a:solidFill>
+          </a:ln>
+        </p:spPr>
+        <p:style>
+          <a:lnRef idx="2">
+            <a:schemeClr val="accent1">
+              <a:shade val="15000"/>
+            </a:schemeClr>
+          </a:lnRef>
+          <a:fillRef idx="1">
+            <a:schemeClr val="accent1"/>
+          </a:fillRef>
+          <a:effectRef idx="0">
+            <a:schemeClr val="accent1"/>
+          </a:effectRef>
+          <a:fontRef idx="minor">
+            <a:schemeClr val="lt1"/>
+          </a:fontRef>
+        </p:style>
+        <p:txBody>
+          <a:bodyPr rtlCol="0" anchor="ctr"/>
+          <a:lstStyle/>
+          <a:p>
+            <a:pPr algn="ctr"/>
+            <a:endParaRPr lang="en-US" dirty="0"/>
           </a:p>
         </p:txBody>
       </p:sp>
@@ -3531,6 +3636,36 @@
     <p:extLst>
       <p:ext uri="{BB962C8B-B14F-4D97-AF65-F5344CB8AC3E}">
         <p14:creationId xmlns:p14="http://schemas.microsoft.com/office/powerpoint/2010/main" val="4071328872"/>
+      </p:ext>
+    </p:extLst>
+  </p:cSld>
+  <p:clrMapOvr>
+    <a:masterClrMapping/>
+  </p:clrMapOvr>
+</p:sld>
+</file>
+
+<file path=ppt/slides/slide2.xml><?xml version="1.0" encoding="utf-8"?>
+<p:sld xmlns:a="http://schemas.openxmlformats.org/drawingml/2006/main" xmlns:r="http://schemas.openxmlformats.org/officeDocument/2006/relationships" xmlns:p="http://schemas.openxmlformats.org/presentationml/2006/main">
+  <p:cSld>
+    <p:spTree>
+      <p:nvGrpSpPr>
+        <p:cNvPr id="1" name=""/>
+        <p:cNvGrpSpPr/>
+        <p:nvPr/>
+      </p:nvGrpSpPr>
+      <p:grpSpPr>
+        <a:xfrm>
+          <a:off x="0" y="0"/>
+          <a:ext cx="0" cy="0"/>
+          <a:chOff x="0" y="0"/>
+          <a:chExt cx="0" cy="0"/>
+        </a:xfrm>
+      </p:grpSpPr>
+    </p:spTree>
+    <p:extLst>
+      <p:ext uri="{BB962C8B-B14F-4D97-AF65-F5344CB8AC3E}">
+        <p14:creationId xmlns:p14="http://schemas.microsoft.com/office/powerpoint/2010/main" val="766126577"/>
       </p:ext>
     </p:extLst>
   </p:cSld>

--- a/notes/tesorai_vaccine.pptx
+++ b/notes/tesorai_vaccine.pptx
@@ -105,6 +105,11 @@
       </a:defRPr>
     </a:lvl9pPr>
   </p:defaultTextStyle>
+  <p:extLst>
+    <p:ext uri="{EFAFB233-063F-42B5-8137-9DF3F51BA10A}">
+      <p15:sldGuideLst xmlns:p15="http://schemas.microsoft.com/office/powerpoint/2012/main"/>
+    </p:ext>
+  </p:extLst>
 </p:presentation>
 </file>
 
@@ -3662,6 +3667,88 @@
           <a:chExt cx="0" cy="0"/>
         </a:xfrm>
       </p:grpSpPr>
+      <p:pic>
+        <p:nvPicPr>
+          <p:cNvPr id="3" name="Picture 2" descr="A screenshot of a computer&#10;&#10;Description automatically generated">
+            <a:extLst>
+              <a:ext uri="{FF2B5EF4-FFF2-40B4-BE49-F238E27FC236}">
+                <a16:creationId xmlns:a16="http://schemas.microsoft.com/office/drawing/2014/main" id="{E40B49D6-55F6-1184-7DE4-C2D0B6C1A2B1}"/>
+              </a:ext>
+            </a:extLst>
+          </p:cNvPr>
+          <p:cNvPicPr>
+            <a:picLocks noChangeAspect="1"/>
+          </p:cNvPicPr>
+          <p:nvPr/>
+        </p:nvPicPr>
+        <p:blipFill>
+          <a:blip r:embed="rId2"/>
+          <a:stretch>
+            <a:fillRect/>
+          </a:stretch>
+        </p:blipFill>
+        <p:spPr>
+          <a:xfrm>
+            <a:off x="1619250" y="431800"/>
+            <a:ext cx="7772400" cy="5203649"/>
+          </a:xfrm>
+          <a:prstGeom prst="rect">
+            <a:avLst/>
+          </a:prstGeom>
+        </p:spPr>
+      </p:pic>
+      <p:sp>
+        <p:nvSpPr>
+          <p:cNvPr id="4" name="Rectangle 3">
+            <a:extLst>
+              <a:ext uri="{FF2B5EF4-FFF2-40B4-BE49-F238E27FC236}">
+                <a16:creationId xmlns:a16="http://schemas.microsoft.com/office/drawing/2014/main" id="{F1448BE3-732D-4985-5971-2BA4EFCC81E2}"/>
+              </a:ext>
+            </a:extLst>
+          </p:cNvPr>
+          <p:cNvSpPr/>
+          <p:nvPr/>
+        </p:nvSpPr>
+        <p:spPr>
+          <a:xfrm>
+            <a:off x="1832024" y="715462"/>
+            <a:ext cx="2933939" cy="351337"/>
+          </a:xfrm>
+          <a:prstGeom prst="rect">
+            <a:avLst/>
+          </a:prstGeom>
+          <a:noFill/>
+          <a:ln>
+            <a:solidFill>
+              <a:srgbClr val="FF0000"/>
+            </a:solidFill>
+          </a:ln>
+        </p:spPr>
+        <p:style>
+          <a:lnRef idx="2">
+            <a:schemeClr val="accent1">
+              <a:shade val="15000"/>
+            </a:schemeClr>
+          </a:lnRef>
+          <a:fillRef idx="1">
+            <a:schemeClr val="accent1"/>
+          </a:fillRef>
+          <a:effectRef idx="0">
+            <a:schemeClr val="accent1"/>
+          </a:effectRef>
+          <a:fontRef idx="minor">
+            <a:schemeClr val="lt1"/>
+          </a:fontRef>
+        </p:style>
+        <p:txBody>
+          <a:bodyPr rtlCol="0" anchor="ctr"/>
+          <a:lstStyle/>
+          <a:p>
+            <a:pPr algn="ctr"/>
+            <a:endParaRPr lang="en-US" dirty="0"/>
+          </a:p>
+        </p:txBody>
+      </p:sp>
     </p:spTree>
     <p:extLst>
       <p:ext uri="{BB962C8B-B14F-4D97-AF65-F5344CB8AC3E}">
